--- a/hardware/Interconnexions/DocCarteInterconnexions.pptx
+++ b/hardware/Interconnexions/DocCarteInterconnexions.pptx
@@ -244,7 +244,7 @@
           <a:p>
             <a:fld id="{9FEA0911-2648-4587-91E9-DF68751CD790}" type="datetimeFigureOut">
               <a:rPr lang="fr-FR" smtClean="0"/>
-              <a:t>22/01/2015</a:t>
+              <a:t>10/03/2015</a:t>
             </a:fld>
             <a:endParaRPr lang="fr-FR" dirty="0"/>
           </a:p>
@@ -414,7 +414,7 @@
           <a:p>
             <a:fld id="{9FEA0911-2648-4587-91E9-DF68751CD790}" type="datetimeFigureOut">
               <a:rPr lang="fr-FR" smtClean="0"/>
-              <a:t>22/01/2015</a:t>
+              <a:t>10/03/2015</a:t>
             </a:fld>
             <a:endParaRPr lang="fr-FR" dirty="0"/>
           </a:p>
@@ -594,7 +594,7 @@
           <a:p>
             <a:fld id="{9FEA0911-2648-4587-91E9-DF68751CD790}" type="datetimeFigureOut">
               <a:rPr lang="fr-FR" smtClean="0"/>
-              <a:t>22/01/2015</a:t>
+              <a:t>10/03/2015</a:t>
             </a:fld>
             <a:endParaRPr lang="fr-FR" dirty="0"/>
           </a:p>
@@ -764,7 +764,7 @@
           <a:p>
             <a:fld id="{9FEA0911-2648-4587-91E9-DF68751CD790}" type="datetimeFigureOut">
               <a:rPr lang="fr-FR" smtClean="0"/>
-              <a:t>22/01/2015</a:t>
+              <a:t>10/03/2015</a:t>
             </a:fld>
             <a:endParaRPr lang="fr-FR" dirty="0"/>
           </a:p>
@@ -1008,7 +1008,7 @@
           <a:p>
             <a:fld id="{9FEA0911-2648-4587-91E9-DF68751CD790}" type="datetimeFigureOut">
               <a:rPr lang="fr-FR" smtClean="0"/>
-              <a:t>22/01/2015</a:t>
+              <a:t>10/03/2015</a:t>
             </a:fld>
             <a:endParaRPr lang="fr-FR" dirty="0"/>
           </a:p>
@@ -1240,7 +1240,7 @@
           <a:p>
             <a:fld id="{9FEA0911-2648-4587-91E9-DF68751CD790}" type="datetimeFigureOut">
               <a:rPr lang="fr-FR" smtClean="0"/>
-              <a:t>22/01/2015</a:t>
+              <a:t>10/03/2015</a:t>
             </a:fld>
             <a:endParaRPr lang="fr-FR" dirty="0"/>
           </a:p>
@@ -1607,7 +1607,7 @@
           <a:p>
             <a:fld id="{9FEA0911-2648-4587-91E9-DF68751CD790}" type="datetimeFigureOut">
               <a:rPr lang="fr-FR" smtClean="0"/>
-              <a:t>22/01/2015</a:t>
+              <a:t>10/03/2015</a:t>
             </a:fld>
             <a:endParaRPr lang="fr-FR" dirty="0"/>
           </a:p>
@@ -1725,7 +1725,7 @@
           <a:p>
             <a:fld id="{9FEA0911-2648-4587-91E9-DF68751CD790}" type="datetimeFigureOut">
               <a:rPr lang="fr-FR" smtClean="0"/>
-              <a:t>22/01/2015</a:t>
+              <a:t>10/03/2015</a:t>
             </a:fld>
             <a:endParaRPr lang="fr-FR" dirty="0"/>
           </a:p>
@@ -1820,7 +1820,7 @@
           <a:p>
             <a:fld id="{9FEA0911-2648-4587-91E9-DF68751CD790}" type="datetimeFigureOut">
               <a:rPr lang="fr-FR" smtClean="0"/>
-              <a:t>22/01/2015</a:t>
+              <a:t>10/03/2015</a:t>
             </a:fld>
             <a:endParaRPr lang="fr-FR" dirty="0"/>
           </a:p>
@@ -2097,7 +2097,7 @@
           <a:p>
             <a:fld id="{9FEA0911-2648-4587-91E9-DF68751CD790}" type="datetimeFigureOut">
               <a:rPr lang="fr-FR" smtClean="0"/>
-              <a:t>22/01/2015</a:t>
+              <a:t>10/03/2015</a:t>
             </a:fld>
             <a:endParaRPr lang="fr-FR" dirty="0"/>
           </a:p>
@@ -2354,7 +2354,7 @@
           <a:p>
             <a:fld id="{9FEA0911-2648-4587-91E9-DF68751CD790}" type="datetimeFigureOut">
               <a:rPr lang="fr-FR" smtClean="0"/>
-              <a:t>22/01/2015</a:t>
+              <a:t>10/03/2015</a:t>
             </a:fld>
             <a:endParaRPr lang="fr-FR" dirty="0"/>
           </a:p>
@@ -2567,7 +2567,7 @@
           <a:p>
             <a:fld id="{9FEA0911-2648-4587-91E9-DF68751CD790}" type="datetimeFigureOut">
               <a:rPr lang="fr-FR" smtClean="0"/>
-              <a:t>22/01/2015</a:t>
+              <a:t>10/03/2015</a:t>
             </a:fld>
             <a:endParaRPr lang="fr-FR" dirty="0"/>
           </a:p>
@@ -3633,7 +3633,7 @@
         </p:nvGrpSpPr>
         <p:grpSpPr>
           <a:xfrm>
-            <a:off x="1745230" y="1930713"/>
+            <a:off x="2175760" y="1930713"/>
             <a:ext cx="429926" cy="369332"/>
             <a:chOff x="1745230" y="1930713"/>
             <a:chExt cx="429926" cy="369332"/>
@@ -3744,7 +3744,7 @@
         </p:nvGrpSpPr>
         <p:grpSpPr>
           <a:xfrm>
-            <a:off x="2009623" y="1930713"/>
+            <a:off x="2729713" y="1930713"/>
             <a:ext cx="429926" cy="369332"/>
             <a:chOff x="2009623" y="1930713"/>
             <a:chExt cx="429926" cy="369332"/>
@@ -3855,7 +3855,7 @@
         </p:nvGrpSpPr>
         <p:grpSpPr>
           <a:xfrm>
-            <a:off x="2294438" y="1930713"/>
+            <a:off x="2458268" y="1930713"/>
             <a:ext cx="429926" cy="369332"/>
             <a:chOff x="2294438" y="1930713"/>
             <a:chExt cx="429926" cy="369332"/>
@@ -3966,7 +3966,7 @@
         </p:nvGrpSpPr>
         <p:grpSpPr>
           <a:xfrm>
-            <a:off x="2562433" y="1930713"/>
+            <a:off x="3015823" y="1930713"/>
             <a:ext cx="429926" cy="369332"/>
             <a:chOff x="2562433" y="1930713"/>
             <a:chExt cx="429926" cy="369332"/>
@@ -4077,7 +4077,7 @@
         </p:nvGrpSpPr>
         <p:grpSpPr>
           <a:xfrm>
-            <a:off x="2834548" y="1930713"/>
+            <a:off x="1901098" y="1930713"/>
             <a:ext cx="429926" cy="369332"/>
             <a:chOff x="2834548" y="1930713"/>
             <a:chExt cx="429926" cy="369332"/>
@@ -4188,7 +4188,7 @@
         </p:nvGrpSpPr>
         <p:grpSpPr>
           <a:xfrm>
-            <a:off x="3106353" y="1930713"/>
+            <a:off x="1635693" y="1930713"/>
             <a:ext cx="429926" cy="369332"/>
             <a:chOff x="3106353" y="1930713"/>
             <a:chExt cx="429926" cy="369332"/>
@@ -8693,6 +8693,7 @@
           </a:bodyPr>
           <a:lstStyle/>
           <a:p>
+            <a:pPr algn="ctr"/>
             <a:r>
               <a:rPr lang="fr-FR" dirty="0" smtClean="0"/>
               <a:t>Alimentation 24V</a:t>
@@ -8774,6 +8775,7 @@
           </a:bodyPr>
           <a:lstStyle/>
           <a:p>
+            <a:pPr algn="ctr"/>
             <a:r>
               <a:rPr lang="fr-FR" dirty="0" smtClean="0"/>
               <a:t>Arrêt d’urgence</a:t>
@@ -8855,6 +8857,7 @@
           </a:bodyPr>
           <a:lstStyle/>
           <a:p>
+            <a:pPr algn="ctr"/>
             <a:r>
               <a:rPr lang="fr-FR" dirty="0" smtClean="0"/>
               <a:t>ON/Off</a:t>
@@ -8936,6 +8939,7 @@
           </a:bodyPr>
           <a:lstStyle/>
           <a:p>
+            <a:pPr algn="ctr"/>
             <a:r>
               <a:rPr lang="fr-FR" dirty="0" smtClean="0"/>
               <a:t>Buzzer</a:t>
@@ -9242,6 +9246,7 @@
           </a:bodyPr>
           <a:lstStyle/>
           <a:p>
+            <a:pPr algn="ctr"/>
             <a:r>
               <a:rPr lang="fr-FR" dirty="0" smtClean="0"/>
               <a:t>Codeuse gauche</a:t>
@@ -9318,6 +9323,7 @@
           </a:bodyPr>
           <a:lstStyle/>
           <a:p>
+            <a:pPr algn="ctr"/>
             <a:r>
               <a:rPr lang="fr-FR" dirty="0" smtClean="0"/>
               <a:t>Codeuse droite</a:t>
@@ -9440,6 +9446,7 @@
           </a:bodyPr>
           <a:lstStyle/>
           <a:p>
+            <a:pPr algn="ctr"/>
             <a:r>
               <a:rPr lang="fr-FR" dirty="0" smtClean="0"/>
               <a:t>Liaison série</a:t>
@@ -9568,8 +9575,8 @@
         </p:nvSpPr>
         <p:spPr>
           <a:xfrm>
-            <a:off x="6819203" y="708023"/>
-            <a:ext cx="2251450" cy="369332"/>
+            <a:off x="6616003" y="240663"/>
+            <a:ext cx="2861319" cy="646331"/>
           </a:xfrm>
           <a:prstGeom prst="rect">
             <a:avLst/>
@@ -9590,14 +9597,15 @@
           </a:fontRef>
         </p:style>
         <p:txBody>
-          <a:bodyPr wrap="none" rtlCol="0">
+          <a:bodyPr wrap="square" rtlCol="0">
             <a:spAutoFit/>
           </a:bodyPr>
           <a:lstStyle/>
           <a:p>
+            <a:pPr algn="ctr"/>
             <a:r>
               <a:rPr lang="fr-FR" dirty="0" smtClean="0"/>
-              <a:t>Capteurs analogiques</a:t>
+              <a:t>Capteurs à ultrasons et/ou capteurs analogiques</a:t>
             </a:r>
             <a:endParaRPr lang="fr-FR" dirty="0"/>
           </a:p>
@@ -9671,6 +9679,7 @@
           </a:bodyPr>
           <a:lstStyle/>
           <a:p>
+            <a:pPr algn="ctr"/>
             <a:r>
               <a:rPr lang="fr-FR" dirty="0" smtClean="0"/>
               <a:t>Alimentation de la Raspberry</a:t>
@@ -9821,6 +9830,7 @@
           </a:bodyPr>
           <a:lstStyle/>
           <a:p>
+            <a:pPr algn="ctr"/>
             <a:r>
               <a:rPr lang="fr-FR" dirty="0" smtClean="0"/>
               <a:t>Moteur gauche</a:t>
@@ -9864,6 +9874,7 @@
           </a:bodyPr>
           <a:lstStyle/>
           <a:p>
+            <a:pPr algn="ctr"/>
             <a:r>
               <a:rPr lang="fr-FR" dirty="0" smtClean="0"/>
               <a:t>Moteur droit</a:t>
@@ -9907,6 +9918,7 @@
           </a:bodyPr>
           <a:lstStyle/>
           <a:p>
+            <a:pPr algn="ctr"/>
             <a:r>
               <a:rPr lang="fr-FR" dirty="0" smtClean="0"/>
               <a:t>Moteur de l’ascenseur</a:t>
@@ -10026,6 +10038,7 @@
           </a:bodyPr>
           <a:lstStyle/>
           <a:p>
+            <a:pPr algn="ctr"/>
             <a:r>
               <a:rPr lang="fr-FR" dirty="0" smtClean="0"/>
               <a:t>DEL de </a:t>
@@ -10073,6 +10086,7 @@
           </a:bodyPr>
           <a:lstStyle/>
           <a:p>
+            <a:pPr algn="ctr"/>
             <a:r>
               <a:rPr lang="fr-FR" dirty="0" smtClean="0"/>
               <a:t>Indicateur de niveau bas de batterie</a:t>
@@ -10199,6 +10213,7 @@
             </a:bodyPr>
             <a:lstStyle/>
             <a:p>
+              <a:pPr algn="ctr"/>
               <a:r>
                 <a:rPr lang="fr-FR" sz="1050" b="1" dirty="0" smtClean="0">
                   <a:latin typeface="Courier New" panose="02070309020205020404" pitchFamily="49" charset="0"/>
@@ -10290,6 +10305,7 @@
             </a:bodyPr>
             <a:lstStyle/>
             <a:p>
+              <a:pPr algn="ctr"/>
               <a:r>
                 <a:rPr lang="fr-FR" sz="1050" b="1" dirty="0" smtClean="0">
                   <a:latin typeface="Courier New" panose="02070309020205020404" pitchFamily="49" charset="0"/>
@@ -10381,6 +10397,7 @@
             </a:bodyPr>
             <a:lstStyle/>
             <a:p>
+              <a:pPr algn="ctr"/>
               <a:r>
                 <a:rPr lang="fr-FR" sz="1050" b="1" dirty="0" smtClean="0">
                   <a:latin typeface="Courier New" panose="02070309020205020404" pitchFamily="49" charset="0"/>
@@ -10472,6 +10489,7 @@
             </a:bodyPr>
             <a:lstStyle/>
             <a:p>
+              <a:pPr algn="ctr"/>
               <a:r>
                 <a:rPr lang="fr-FR" sz="1050" b="1" dirty="0" smtClean="0">
                   <a:latin typeface="Courier New" panose="02070309020205020404" pitchFamily="49" charset="0"/>
@@ -10536,7 +10554,6 @@
             <a:bodyPr rtlCol="0" anchor="ctr"/>
             <a:lstStyle/>
             <a:p>
-              <a:pPr algn="ctr"/>
               <a:endParaRPr lang="fr-FR" sz="500" dirty="0"/>
             </a:p>
           </p:txBody>
@@ -10627,7 +10644,6 @@
             <a:bodyPr rtlCol="0" anchor="ctr"/>
             <a:lstStyle/>
             <a:p>
-              <a:pPr algn="ctr"/>
               <a:endParaRPr lang="fr-FR" sz="500" dirty="0"/>
             </a:p>
           </p:txBody>
@@ -10745,6 +10761,7 @@
             </a:bodyPr>
             <a:lstStyle/>
             <a:p>
+              <a:pPr algn="ctr"/>
               <a:r>
                 <a:rPr lang="fr-FR" sz="1050" b="1" dirty="0" smtClean="0">
                   <a:latin typeface="Courier New" panose="02070309020205020404" pitchFamily="49" charset="0"/>
@@ -10836,6 +10853,7 @@
             </a:bodyPr>
             <a:lstStyle/>
             <a:p>
+              <a:pPr algn="ctr"/>
               <a:r>
                 <a:rPr lang="fr-FR" sz="1050" b="1" dirty="0" smtClean="0">
                   <a:latin typeface="Courier New" panose="02070309020205020404" pitchFamily="49" charset="0"/>
@@ -10940,6 +10958,7 @@
             </a:bodyPr>
             <a:lstStyle/>
             <a:p>
+              <a:pPr algn="ctr"/>
               <a:r>
                 <a:rPr lang="fr-FR" dirty="0" smtClean="0">
                   <a:latin typeface="Simplified Arabic Fixed" panose="02070309020205020404" pitchFamily="49" charset="-78"/>
@@ -11044,6 +11063,7 @@
             </a:bodyPr>
             <a:lstStyle/>
             <a:p>
+              <a:pPr algn="ctr"/>
               <a:r>
                 <a:rPr lang="fr-FR" dirty="0" smtClean="0">
                   <a:latin typeface="Simplified Arabic Fixed" panose="02070309020205020404" pitchFamily="49" charset="-78"/>
@@ -11155,6 +11175,7 @@
             </a:bodyPr>
             <a:lstStyle/>
             <a:p>
+              <a:pPr algn="ctr"/>
               <a:r>
                 <a:rPr lang="fr-FR" dirty="0" smtClean="0">
                   <a:latin typeface="Simplified Arabic Fixed" panose="02070309020205020404" pitchFamily="49" charset="-78"/>
@@ -11266,6 +11287,7 @@
             </a:bodyPr>
             <a:lstStyle/>
             <a:p>
+              <a:pPr algn="ctr"/>
               <a:r>
                 <a:rPr lang="fr-FR" dirty="0" smtClean="0">
                   <a:latin typeface="Simplified Arabic Fixed" panose="02070309020205020404" pitchFamily="49" charset="-78"/>
@@ -11377,6 +11399,7 @@
             </a:bodyPr>
             <a:lstStyle/>
             <a:p>
+              <a:pPr algn="ctr"/>
               <a:r>
                 <a:rPr lang="fr-FR" dirty="0" smtClean="0">
                   <a:latin typeface="Simplified Arabic Fixed" panose="02070309020205020404" pitchFamily="49" charset="-78"/>
@@ -11407,7 +11430,7 @@
         </p:nvGrpSpPr>
         <p:grpSpPr>
           <a:xfrm>
-            <a:off x="7604663" y="1626448"/>
+            <a:off x="6747413" y="1628353"/>
             <a:ext cx="429926" cy="369332"/>
             <a:chOff x="1745230" y="1930713"/>
             <a:chExt cx="429926" cy="369332"/>
@@ -11488,6 +11511,7 @@
             </a:bodyPr>
             <a:lstStyle/>
             <a:p>
+              <a:pPr algn="ctr"/>
               <a:r>
                 <a:rPr lang="fr-FR" dirty="0" smtClean="0">
                   <a:latin typeface="Simplified Arabic Fixed" panose="02070309020205020404" pitchFamily="49" charset="-78"/>
@@ -11599,6 +11623,7 @@
             </a:bodyPr>
             <a:lstStyle/>
             <a:p>
+              <a:pPr algn="ctr"/>
               <a:r>
                 <a:rPr lang="fr-FR" dirty="0" smtClean="0">
                   <a:latin typeface="Simplified Arabic Fixed" panose="02070309020205020404" pitchFamily="49" charset="-78"/>
@@ -11710,6 +11735,7 @@
             </a:bodyPr>
             <a:lstStyle/>
             <a:p>
+              <a:pPr algn="ctr"/>
               <a:r>
                 <a:rPr lang="fr-FR" dirty="0" smtClean="0">
                   <a:latin typeface="Simplified Arabic Fixed" panose="02070309020205020404" pitchFamily="49" charset="-78"/>
@@ -11740,7 +11766,7 @@
         </p:nvGrpSpPr>
         <p:grpSpPr>
           <a:xfrm>
-            <a:off x="6751831" y="1629244"/>
+            <a:off x="7609081" y="1629244"/>
             <a:ext cx="429926" cy="369332"/>
             <a:chOff x="2562433" y="1930713"/>
             <a:chExt cx="429926" cy="369332"/>
@@ -11821,6 +11847,7 @@
             </a:bodyPr>
             <a:lstStyle/>
             <a:p>
+              <a:pPr algn="ctr"/>
               <a:r>
                 <a:rPr lang="fr-FR" dirty="0" smtClean="0">
                   <a:latin typeface="Simplified Arabic Fixed" panose="02070309020205020404" pitchFamily="49" charset="-78"/>
@@ -11932,6 +11959,7 @@
             </a:bodyPr>
             <a:lstStyle/>
             <a:p>
+              <a:pPr algn="ctr"/>
               <a:r>
                 <a:rPr lang="fr-FR" dirty="0" smtClean="0">
                   <a:latin typeface="Simplified Arabic Fixed" panose="02070309020205020404" pitchFamily="49" charset="-78"/>
@@ -12043,6 +12071,7 @@
             </a:bodyPr>
             <a:lstStyle/>
             <a:p>
+              <a:pPr algn="ctr"/>
               <a:r>
                 <a:rPr lang="fr-FR" dirty="0" smtClean="0">
                   <a:latin typeface="Simplified Arabic Fixed" panose="02070309020205020404" pitchFamily="49" charset="-78"/>
@@ -12073,7 +12102,7 @@
         </p:nvGrpSpPr>
         <p:grpSpPr>
           <a:xfrm>
-            <a:off x="8608495" y="1631282"/>
+            <a:off x="8322745" y="1631282"/>
             <a:ext cx="429926" cy="369332"/>
             <a:chOff x="953660" y="1930713"/>
             <a:chExt cx="429926" cy="369332"/>
@@ -12154,6 +12183,7 @@
             </a:bodyPr>
             <a:lstStyle/>
             <a:p>
+              <a:pPr algn="ctr"/>
               <a:r>
                 <a:rPr lang="fr-FR" dirty="0" smtClean="0">
                   <a:latin typeface="Simplified Arabic Fixed" panose="02070309020205020404" pitchFamily="49" charset="-78"/>
@@ -12184,7 +12214,7 @@
         </p:nvGrpSpPr>
         <p:grpSpPr>
           <a:xfrm>
-            <a:off x="8317219" y="1633473"/>
+            <a:off x="8611850" y="1633838"/>
             <a:ext cx="429926" cy="369332"/>
             <a:chOff x="1218053" y="1930713"/>
             <a:chExt cx="429926" cy="369332"/>
@@ -12265,6 +12295,7 @@
             </a:bodyPr>
             <a:lstStyle/>
             <a:p>
+              <a:pPr algn="ctr"/>
               <a:r>
                 <a:rPr lang="fr-FR" dirty="0" smtClean="0">
                   <a:latin typeface="Simplified Arabic Fixed" panose="02070309020205020404" pitchFamily="49" charset="-78"/>
@@ -12376,6 +12407,7 @@
             </a:bodyPr>
             <a:lstStyle/>
             <a:p>
+              <a:pPr algn="ctr"/>
               <a:r>
                 <a:rPr lang="fr-FR" sz="1400" spc="-150" dirty="0" smtClean="0">
                   <a:latin typeface="Simplified Arabic Fixed" panose="02070309020205020404" pitchFamily="49" charset="-78"/>
@@ -12494,6 +12526,7 @@
             </a:bodyPr>
             <a:lstStyle/>
             <a:p>
+              <a:pPr algn="ctr"/>
               <a:r>
                 <a:rPr lang="fr-FR" sz="1400" spc="-150" dirty="0" smtClean="0">
                   <a:latin typeface="Simplified Arabic Fixed" panose="02070309020205020404" pitchFamily="49" charset="-78"/>
@@ -12608,6 +12641,7 @@
             </a:bodyPr>
             <a:lstStyle/>
             <a:p>
+              <a:pPr algn="ctr"/>
               <a:r>
                 <a:rPr lang="fr-FR" dirty="0" smtClean="0">
                   <a:latin typeface="Simplified Arabic Fixed" panose="02070309020205020404" pitchFamily="49" charset="-78"/>
@@ -12719,6 +12753,7 @@
             </a:bodyPr>
             <a:lstStyle/>
             <a:p>
+              <a:pPr algn="ctr"/>
               <a:r>
                 <a:rPr lang="fr-FR" dirty="0" smtClean="0">
                   <a:latin typeface="Simplified Arabic Fixed" panose="02070309020205020404" pitchFamily="49" charset="-78"/>
@@ -12830,6 +12865,7 @@
             </a:bodyPr>
             <a:lstStyle/>
             <a:p>
+              <a:pPr algn="ctr"/>
               <a:r>
                 <a:rPr lang="fr-FR" dirty="0" smtClean="0">
                   <a:latin typeface="Simplified Arabic Fixed" panose="02070309020205020404" pitchFamily="49" charset="-78"/>
@@ -12852,6 +12888,668 @@
           </p:txBody>
         </p:sp>
       </p:grpSp>
+      <p:grpSp>
+        <p:nvGrpSpPr>
+          <p:cNvPr id="143" name="Groupe 142"/>
+          <p:cNvGrpSpPr/>
+          <p:nvPr/>
+        </p:nvGrpSpPr>
+        <p:grpSpPr>
+          <a:xfrm rot="16200000">
+            <a:off x="5370592" y="1347498"/>
+            <a:ext cx="524503" cy="261610"/>
+            <a:chOff x="9173042" y="3534415"/>
+            <a:chExt cx="524503" cy="261610"/>
+          </a:xfrm>
+        </p:grpSpPr>
+        <p:sp>
+          <p:nvSpPr>
+            <p:cNvPr id="146" name="Rectangle à coins arrondis 145"/>
+            <p:cNvSpPr/>
+            <p:nvPr/>
+          </p:nvSpPr>
+          <p:spPr>
+            <a:xfrm>
+              <a:off x="9230263" y="3550920"/>
+              <a:ext cx="376017" cy="208280"/>
+            </a:xfrm>
+            <a:prstGeom prst="roundRect">
+              <a:avLst>
+                <a:gd name="adj" fmla="val 38618"/>
+              </a:avLst>
+            </a:prstGeom>
+          </p:spPr>
+          <p:style>
+            <a:lnRef idx="1">
+              <a:schemeClr val="dk1"/>
+            </a:lnRef>
+            <a:fillRef idx="2">
+              <a:schemeClr val="dk1"/>
+            </a:fillRef>
+            <a:effectRef idx="1">
+              <a:schemeClr val="dk1"/>
+            </a:effectRef>
+            <a:fontRef idx="minor">
+              <a:schemeClr val="dk1"/>
+            </a:fontRef>
+          </p:style>
+          <p:txBody>
+            <a:bodyPr rtlCol="0" anchor="ctr"/>
+            <a:lstStyle/>
+            <a:p>
+              <a:endParaRPr lang="fr-FR" sz="500" dirty="0"/>
+            </a:p>
+          </p:txBody>
+        </p:sp>
+        <p:sp>
+          <p:nvSpPr>
+            <p:cNvPr id="147" name="ZoneTexte 146"/>
+            <p:cNvSpPr txBox="1"/>
+            <p:nvPr/>
+          </p:nvSpPr>
+          <p:spPr>
+            <a:xfrm>
+              <a:off x="9173042" y="3534415"/>
+              <a:ext cx="524503" cy="261610"/>
+            </a:xfrm>
+            <a:prstGeom prst="rect">
+              <a:avLst/>
+            </a:prstGeom>
+            <a:noFill/>
+          </p:spPr>
+          <p:txBody>
+            <a:bodyPr wrap="none" rtlCol="0">
+              <a:spAutoFit/>
+            </a:bodyPr>
+            <a:lstStyle/>
+            <a:p>
+              <a:r>
+                <a:rPr lang="fr-FR" sz="1050" b="1" dirty="0" smtClean="0">
+                  <a:latin typeface="Courier New" panose="02070309020205020404" pitchFamily="49" charset="0"/>
+                  <a:cs typeface="Courier New" panose="02070309020205020404" pitchFamily="49" charset="0"/>
+                </a:rPr>
+                <a:t>AX12</a:t>
+              </a:r>
+              <a:endParaRPr lang="fr-FR" sz="1050" b="1" dirty="0">
+                <a:latin typeface="Courier New" panose="02070309020205020404" pitchFamily="49" charset="0"/>
+                <a:cs typeface="Courier New" panose="02070309020205020404" pitchFamily="49" charset="0"/>
+              </a:endParaRPr>
+            </a:p>
+          </p:txBody>
+        </p:sp>
+      </p:grpSp>
+      <p:grpSp>
+        <p:nvGrpSpPr>
+          <p:cNvPr id="148" name="Groupe 147"/>
+          <p:cNvGrpSpPr/>
+          <p:nvPr/>
+        </p:nvGrpSpPr>
+        <p:grpSpPr>
+          <a:xfrm rot="16200000">
+            <a:off x="5868525" y="1359967"/>
+            <a:ext cx="524503" cy="261610"/>
+            <a:chOff x="9173042" y="3534415"/>
+            <a:chExt cx="524503" cy="261610"/>
+          </a:xfrm>
+        </p:grpSpPr>
+        <p:sp>
+          <p:nvSpPr>
+            <p:cNvPr id="149" name="Rectangle à coins arrondis 148"/>
+            <p:cNvSpPr/>
+            <p:nvPr/>
+          </p:nvSpPr>
+          <p:spPr>
+            <a:xfrm>
+              <a:off x="9230263" y="3550920"/>
+              <a:ext cx="376017" cy="208280"/>
+            </a:xfrm>
+            <a:prstGeom prst="roundRect">
+              <a:avLst>
+                <a:gd name="adj" fmla="val 38618"/>
+              </a:avLst>
+            </a:prstGeom>
+          </p:spPr>
+          <p:style>
+            <a:lnRef idx="1">
+              <a:schemeClr val="dk1"/>
+            </a:lnRef>
+            <a:fillRef idx="2">
+              <a:schemeClr val="dk1"/>
+            </a:fillRef>
+            <a:effectRef idx="1">
+              <a:schemeClr val="dk1"/>
+            </a:effectRef>
+            <a:fontRef idx="minor">
+              <a:schemeClr val="dk1"/>
+            </a:fontRef>
+          </p:style>
+          <p:txBody>
+            <a:bodyPr rtlCol="0" anchor="ctr"/>
+            <a:lstStyle/>
+            <a:p>
+              <a:endParaRPr lang="fr-FR" sz="500" dirty="0"/>
+            </a:p>
+          </p:txBody>
+        </p:sp>
+        <p:sp>
+          <p:nvSpPr>
+            <p:cNvPr id="150" name="ZoneTexte 149"/>
+            <p:cNvSpPr txBox="1"/>
+            <p:nvPr/>
+          </p:nvSpPr>
+          <p:spPr>
+            <a:xfrm>
+              <a:off x="9173042" y="3534415"/>
+              <a:ext cx="524503" cy="261610"/>
+            </a:xfrm>
+            <a:prstGeom prst="rect">
+              <a:avLst/>
+            </a:prstGeom>
+            <a:noFill/>
+          </p:spPr>
+          <p:txBody>
+            <a:bodyPr wrap="none" rtlCol="0">
+              <a:spAutoFit/>
+            </a:bodyPr>
+            <a:lstStyle/>
+            <a:p>
+              <a:r>
+                <a:rPr lang="fr-FR" sz="1050" b="1" dirty="0" smtClean="0">
+                  <a:latin typeface="Courier New" panose="02070309020205020404" pitchFamily="49" charset="0"/>
+                  <a:cs typeface="Courier New" panose="02070309020205020404" pitchFamily="49" charset="0"/>
+                </a:rPr>
+                <a:t>AX12</a:t>
+              </a:r>
+              <a:endParaRPr lang="fr-FR" sz="1050" b="1" dirty="0">
+                <a:latin typeface="Courier New" panose="02070309020205020404" pitchFamily="49" charset="0"/>
+                <a:cs typeface="Courier New" panose="02070309020205020404" pitchFamily="49" charset="0"/>
+              </a:endParaRPr>
+            </a:p>
+          </p:txBody>
+        </p:sp>
+      </p:grpSp>
+      <p:sp>
+        <p:nvSpPr>
+          <p:cNvPr id="6" name="ZoneTexte 5"/>
+          <p:cNvSpPr txBox="1"/>
+          <p:nvPr/>
+        </p:nvSpPr>
+        <p:spPr>
+          <a:xfrm rot="21600000">
+            <a:off x="6109825" y="1869262"/>
+            <a:ext cx="1951175" cy="246221"/>
+          </a:xfrm>
+          <a:prstGeom prst="rect">
+            <a:avLst/>
+          </a:prstGeom>
+          <a:noFill/>
+        </p:spPr>
+        <p:txBody>
+          <a:bodyPr wrap="none" rtlCol="0">
+            <a:spAutoFit/>
+          </a:bodyPr>
+          <a:lstStyle/>
+          <a:p>
+            <a:r>
+              <a:rPr lang="fr-FR" sz="1000" b="1" dirty="0" smtClean="0">
+                <a:solidFill>
+                  <a:schemeClr val="bg1"/>
+                </a:solidFill>
+                <a:latin typeface="Courier New" panose="02070309020205020404" pitchFamily="49" charset="0"/>
+                <a:cs typeface="Courier New" panose="02070309020205020404" pitchFamily="49" charset="0"/>
+              </a:rPr>
+              <a:t>PD11</a:t>
+            </a:r>
+            <a:r>
+              <a:rPr lang="fr-FR" sz="800" b="1" dirty="0" smtClean="0">
+                <a:solidFill>
+                  <a:schemeClr val="bg1"/>
+                </a:solidFill>
+                <a:latin typeface="Courier New" panose="02070309020205020404" pitchFamily="49" charset="0"/>
+                <a:cs typeface="Courier New" panose="02070309020205020404" pitchFamily="49" charset="0"/>
+              </a:rPr>
+              <a:t> </a:t>
+            </a:r>
+            <a:r>
+              <a:rPr lang="fr-FR" sz="1000" b="1" dirty="0" smtClean="0">
+                <a:solidFill>
+                  <a:schemeClr val="bg1"/>
+                </a:solidFill>
+                <a:latin typeface="Courier New" panose="02070309020205020404" pitchFamily="49" charset="0"/>
+                <a:cs typeface="Courier New" panose="02070309020205020404" pitchFamily="49" charset="0"/>
+              </a:rPr>
+              <a:t>PD9</a:t>
+            </a:r>
+            <a:r>
+              <a:rPr lang="fr-FR" sz="800" b="1" dirty="0" smtClean="0">
+                <a:solidFill>
+                  <a:schemeClr val="bg1"/>
+                </a:solidFill>
+                <a:latin typeface="Courier New" panose="02070309020205020404" pitchFamily="49" charset="0"/>
+                <a:cs typeface="Courier New" panose="02070309020205020404" pitchFamily="49" charset="0"/>
+              </a:rPr>
+              <a:t> </a:t>
+            </a:r>
+            <a:r>
+              <a:rPr lang="fr-FR" sz="1000" b="1" dirty="0" smtClean="0">
+                <a:solidFill>
+                  <a:schemeClr val="bg1"/>
+                </a:solidFill>
+                <a:latin typeface="Courier New" panose="02070309020205020404" pitchFamily="49" charset="0"/>
+                <a:cs typeface="Courier New" panose="02070309020205020404" pitchFamily="49" charset="0"/>
+              </a:rPr>
+              <a:t>PB1</a:t>
+            </a:r>
+            <a:r>
+              <a:rPr lang="fr-FR" sz="800" b="1" dirty="0" smtClean="0">
+                <a:solidFill>
+                  <a:schemeClr val="bg1"/>
+                </a:solidFill>
+                <a:latin typeface="Courier New" panose="02070309020205020404" pitchFamily="49" charset="0"/>
+                <a:cs typeface="Courier New" panose="02070309020205020404" pitchFamily="49" charset="0"/>
+              </a:rPr>
+              <a:t> </a:t>
+            </a:r>
+            <a:r>
+              <a:rPr lang="fr-FR" sz="1000" b="1" dirty="0" smtClean="0">
+                <a:solidFill>
+                  <a:schemeClr val="bg1"/>
+                </a:solidFill>
+                <a:latin typeface="Courier New" panose="02070309020205020404" pitchFamily="49" charset="0"/>
+                <a:cs typeface="Courier New" panose="02070309020205020404" pitchFamily="49" charset="0"/>
+              </a:rPr>
+              <a:t>PC5</a:t>
+            </a:r>
+            <a:r>
+              <a:rPr lang="fr-FR" sz="800" b="1" dirty="0" smtClean="0">
+                <a:solidFill>
+                  <a:schemeClr val="bg1"/>
+                </a:solidFill>
+                <a:latin typeface="Courier New" panose="02070309020205020404" pitchFamily="49" charset="0"/>
+                <a:cs typeface="Courier New" panose="02070309020205020404" pitchFamily="49" charset="0"/>
+              </a:rPr>
+              <a:t> </a:t>
+            </a:r>
+            <a:r>
+              <a:rPr lang="fr-FR" sz="1000" b="1" dirty="0" smtClean="0">
+                <a:solidFill>
+                  <a:schemeClr val="bg1"/>
+                </a:solidFill>
+                <a:latin typeface="Courier New" panose="02070309020205020404" pitchFamily="49" charset="0"/>
+                <a:cs typeface="Courier New" panose="02070309020205020404" pitchFamily="49" charset="0"/>
+              </a:rPr>
+              <a:t>PA7</a:t>
+            </a:r>
+            <a:r>
+              <a:rPr lang="fr-FR" sz="800" b="1" dirty="0" smtClean="0">
+                <a:solidFill>
+                  <a:schemeClr val="bg1"/>
+                </a:solidFill>
+                <a:latin typeface="Courier New" panose="02070309020205020404" pitchFamily="49" charset="0"/>
+                <a:cs typeface="Courier New" panose="02070309020205020404" pitchFamily="49" charset="0"/>
+              </a:rPr>
+              <a:t> </a:t>
+            </a:r>
+            <a:r>
+              <a:rPr lang="fr-FR" sz="1000" b="1" dirty="0" smtClean="0">
+                <a:solidFill>
+                  <a:schemeClr val="bg1"/>
+                </a:solidFill>
+                <a:latin typeface="Courier New" panose="02070309020205020404" pitchFamily="49" charset="0"/>
+                <a:cs typeface="Courier New" panose="02070309020205020404" pitchFamily="49" charset="0"/>
+              </a:rPr>
+              <a:t>PA5</a:t>
+            </a:r>
+            <a:endParaRPr lang="fr-FR" sz="1000" b="1" dirty="0">
+              <a:solidFill>
+                <a:schemeClr val="bg1"/>
+              </a:solidFill>
+              <a:latin typeface="Courier New" panose="02070309020205020404" pitchFamily="49" charset="0"/>
+              <a:cs typeface="Courier New" panose="02070309020205020404" pitchFamily="49" charset="0"/>
+            </a:endParaRPr>
+          </a:p>
+        </p:txBody>
+      </p:sp>
+      <p:sp>
+        <p:nvSpPr>
+          <p:cNvPr id="151" name="ZoneTexte 150"/>
+          <p:cNvSpPr txBox="1"/>
+          <p:nvPr/>
+        </p:nvSpPr>
+        <p:spPr>
+          <a:xfrm>
+            <a:off x="8326001" y="1872674"/>
+            <a:ext cx="723275" cy="246221"/>
+          </a:xfrm>
+          <a:prstGeom prst="rect">
+            <a:avLst/>
+          </a:prstGeom>
+          <a:noFill/>
+        </p:spPr>
+        <p:txBody>
+          <a:bodyPr wrap="none" rtlCol="0">
+            <a:spAutoFit/>
+          </a:bodyPr>
+          <a:lstStyle/>
+          <a:p>
+            <a:r>
+              <a:rPr lang="fr-FR" sz="1000" b="1" dirty="0" smtClean="0">
+                <a:ln w="3175">
+                  <a:noFill/>
+                </a:ln>
+                <a:solidFill>
+                  <a:schemeClr val="bg1"/>
+                </a:solidFill>
+                <a:latin typeface="Courier New" panose="02070309020205020404" pitchFamily="49" charset="0"/>
+                <a:cs typeface="Courier New" panose="02070309020205020404" pitchFamily="49" charset="0"/>
+              </a:rPr>
+              <a:t>PA4 PA6</a:t>
+            </a:r>
+            <a:endParaRPr lang="fr-FR" sz="1000" b="1" dirty="0">
+              <a:ln w="3175">
+                <a:noFill/>
+              </a:ln>
+              <a:solidFill>
+                <a:schemeClr val="bg1"/>
+              </a:solidFill>
+              <a:latin typeface="Courier New" panose="02070309020205020404" pitchFamily="49" charset="0"/>
+              <a:cs typeface="Courier New" panose="02070309020205020404" pitchFamily="49" charset="0"/>
+            </a:endParaRPr>
+          </a:p>
+        </p:txBody>
+      </p:sp>
+      <p:sp>
+        <p:nvSpPr>
+          <p:cNvPr id="152" name="ZoneTexte 151"/>
+          <p:cNvSpPr txBox="1"/>
+          <p:nvPr/>
+        </p:nvSpPr>
+        <p:spPr>
+          <a:xfrm rot="21600000">
+            <a:off x="7693134" y="3686922"/>
+            <a:ext cx="1184940" cy="246221"/>
+          </a:xfrm>
+          <a:prstGeom prst="rect">
+            <a:avLst/>
+          </a:prstGeom>
+          <a:noFill/>
+          <a:effectLst/>
+        </p:spPr>
+        <p:txBody>
+          <a:bodyPr wrap="none" rtlCol="0">
+            <a:spAutoFit/>
+          </a:bodyPr>
+          <a:lstStyle/>
+          <a:p>
+            <a:r>
+              <a:rPr lang="fr-FR" sz="1000" b="1" dirty="0" smtClean="0">
+                <a:solidFill>
+                  <a:schemeClr val="bg1"/>
+                </a:solidFill>
+                <a:latin typeface="Courier New" panose="02070309020205020404" pitchFamily="49" charset="0"/>
+                <a:cs typeface="Courier New" panose="02070309020205020404" pitchFamily="49" charset="0"/>
+              </a:rPr>
+              <a:t>PE5 PC13 PC15</a:t>
+            </a:r>
+            <a:endParaRPr lang="fr-FR" sz="1000" b="1" dirty="0">
+              <a:solidFill>
+                <a:schemeClr val="bg1"/>
+              </a:solidFill>
+              <a:latin typeface="Courier New" panose="02070309020205020404" pitchFamily="49" charset="0"/>
+              <a:cs typeface="Courier New" panose="02070309020205020404" pitchFamily="49" charset="0"/>
+            </a:endParaRPr>
+          </a:p>
+        </p:txBody>
+      </p:sp>
+      <p:sp>
+        <p:nvSpPr>
+          <p:cNvPr id="153" name="ZoneTexte 152"/>
+          <p:cNvSpPr txBox="1"/>
+          <p:nvPr/>
+        </p:nvSpPr>
+        <p:spPr>
+          <a:xfrm rot="21600000">
+            <a:off x="5342060" y="3747882"/>
+            <a:ext cx="1707519" cy="246221"/>
+          </a:xfrm>
+          <a:prstGeom prst="rect">
+            <a:avLst/>
+          </a:prstGeom>
+          <a:noFill/>
+          <a:effectLst/>
+        </p:spPr>
+        <p:txBody>
+          <a:bodyPr wrap="none" rtlCol="0">
+            <a:spAutoFit/>
+          </a:bodyPr>
+          <a:lstStyle/>
+          <a:p>
+            <a:r>
+              <a:rPr lang="fr-FR" sz="1000" b="1" dirty="0" smtClean="0">
+                <a:solidFill>
+                  <a:schemeClr val="bg1"/>
+                </a:solidFill>
+                <a:latin typeface="Courier New" panose="02070309020205020404" pitchFamily="49" charset="0"/>
+                <a:cs typeface="Courier New" panose="02070309020205020404" pitchFamily="49" charset="0"/>
+              </a:rPr>
+              <a:t>PC9</a:t>
+            </a:r>
+            <a:r>
+              <a:rPr lang="fr-FR" sz="800" b="1" dirty="0" smtClean="0">
+                <a:solidFill>
+                  <a:schemeClr val="bg1"/>
+                </a:solidFill>
+                <a:latin typeface="Courier New" panose="02070309020205020404" pitchFamily="49" charset="0"/>
+                <a:cs typeface="Courier New" panose="02070309020205020404" pitchFamily="49" charset="0"/>
+              </a:rPr>
+              <a:t> </a:t>
+            </a:r>
+            <a:r>
+              <a:rPr lang="fr-FR" sz="1000" b="1" dirty="0" smtClean="0">
+                <a:solidFill>
+                  <a:schemeClr val="bg1"/>
+                </a:solidFill>
+                <a:latin typeface="Courier New" panose="02070309020205020404" pitchFamily="49" charset="0"/>
+                <a:cs typeface="Courier New" panose="02070309020205020404" pitchFamily="49" charset="0"/>
+              </a:rPr>
+              <a:t>PC11</a:t>
+            </a:r>
+            <a:r>
+              <a:rPr lang="fr-FR" sz="800" b="1" dirty="0" smtClean="0">
+                <a:solidFill>
+                  <a:schemeClr val="bg1"/>
+                </a:solidFill>
+                <a:latin typeface="Courier New" panose="02070309020205020404" pitchFamily="49" charset="0"/>
+                <a:cs typeface="Courier New" panose="02070309020205020404" pitchFamily="49" charset="0"/>
+              </a:rPr>
+              <a:t> </a:t>
+            </a:r>
+            <a:r>
+              <a:rPr lang="fr-FR" sz="1000" b="1" dirty="0" smtClean="0">
+                <a:solidFill>
+                  <a:schemeClr val="bg1"/>
+                </a:solidFill>
+                <a:latin typeface="Courier New" panose="02070309020205020404" pitchFamily="49" charset="0"/>
+                <a:cs typeface="Courier New" panose="02070309020205020404" pitchFamily="49" charset="0"/>
+              </a:rPr>
+              <a:t>PD0</a:t>
+            </a:r>
+            <a:r>
+              <a:rPr lang="fr-FR" sz="800" b="1" dirty="0" smtClean="0">
+                <a:solidFill>
+                  <a:schemeClr val="bg1"/>
+                </a:solidFill>
+                <a:latin typeface="Courier New" panose="02070309020205020404" pitchFamily="49" charset="0"/>
+                <a:cs typeface="Courier New" panose="02070309020205020404" pitchFamily="49" charset="0"/>
+              </a:rPr>
+              <a:t> </a:t>
+            </a:r>
+            <a:r>
+              <a:rPr lang="fr-FR" sz="1000" b="1" dirty="0" smtClean="0">
+                <a:solidFill>
+                  <a:schemeClr val="bg1"/>
+                </a:solidFill>
+                <a:latin typeface="Courier New" panose="02070309020205020404" pitchFamily="49" charset="0"/>
+                <a:cs typeface="Courier New" panose="02070309020205020404" pitchFamily="49" charset="0"/>
+              </a:rPr>
+              <a:t>PD2</a:t>
+            </a:r>
+            <a:r>
+              <a:rPr lang="fr-FR" sz="800" b="1" dirty="0" smtClean="0">
+                <a:solidFill>
+                  <a:schemeClr val="bg1"/>
+                </a:solidFill>
+                <a:latin typeface="Courier New" panose="02070309020205020404" pitchFamily="49" charset="0"/>
+                <a:cs typeface="Courier New" panose="02070309020205020404" pitchFamily="49" charset="0"/>
+              </a:rPr>
+              <a:t> </a:t>
+            </a:r>
+            <a:r>
+              <a:rPr lang="fr-FR" sz="1000" b="1" dirty="0" smtClean="0">
+                <a:solidFill>
+                  <a:schemeClr val="bg1"/>
+                </a:solidFill>
+                <a:latin typeface="Courier New" panose="02070309020205020404" pitchFamily="49" charset="0"/>
+                <a:cs typeface="Courier New" panose="02070309020205020404" pitchFamily="49" charset="0"/>
+              </a:rPr>
+              <a:t>PD6</a:t>
+            </a:r>
+            <a:endParaRPr lang="fr-FR" sz="1000" b="1" dirty="0">
+              <a:solidFill>
+                <a:schemeClr val="bg1"/>
+              </a:solidFill>
+              <a:latin typeface="Courier New" panose="02070309020205020404" pitchFamily="49" charset="0"/>
+              <a:cs typeface="Courier New" panose="02070309020205020404" pitchFamily="49" charset="0"/>
+            </a:endParaRPr>
+          </a:p>
+        </p:txBody>
+      </p:sp>
+      <p:sp>
+        <p:nvSpPr>
+          <p:cNvPr id="154" name="ZoneTexte 153"/>
+          <p:cNvSpPr txBox="1"/>
+          <p:nvPr/>
+        </p:nvSpPr>
+        <p:spPr>
+          <a:xfrm>
+            <a:off x="7975481" y="1985069"/>
+            <a:ext cx="415498" cy="400110"/>
+          </a:xfrm>
+          <a:prstGeom prst="rect">
+            <a:avLst/>
+          </a:prstGeom>
+          <a:noFill/>
+        </p:spPr>
+        <p:txBody>
+          <a:bodyPr wrap="none" rtlCol="0">
+            <a:spAutoFit/>
+          </a:bodyPr>
+          <a:lstStyle/>
+          <a:p>
+            <a:r>
+              <a:rPr lang="fr-FR" sz="1000" b="1" dirty="0" smtClean="0">
+                <a:ln w="3175">
+                  <a:noFill/>
+                </a:ln>
+                <a:solidFill>
+                  <a:schemeClr val="bg1"/>
+                </a:solidFill>
+                <a:latin typeface="Courier New" panose="02070309020205020404" pitchFamily="49" charset="0"/>
+                <a:cs typeface="Courier New" panose="02070309020205020404" pitchFamily="49" charset="0"/>
+              </a:rPr>
+              <a:t>PA0</a:t>
+            </a:r>
+          </a:p>
+          <a:p>
+            <a:r>
+              <a:rPr lang="fr-FR" sz="1000" b="1" dirty="0" smtClean="0">
+                <a:ln w="3175">
+                  <a:noFill/>
+                </a:ln>
+                <a:solidFill>
+                  <a:schemeClr val="bg1"/>
+                </a:solidFill>
+                <a:latin typeface="Courier New" panose="02070309020205020404" pitchFamily="49" charset="0"/>
+                <a:cs typeface="Courier New" panose="02070309020205020404" pitchFamily="49" charset="0"/>
+              </a:rPr>
+              <a:t>PA1</a:t>
+            </a:r>
+            <a:endParaRPr lang="fr-FR" sz="1000" b="1" dirty="0">
+              <a:ln w="3175">
+                <a:noFill/>
+              </a:ln>
+              <a:solidFill>
+                <a:schemeClr val="bg1"/>
+              </a:solidFill>
+              <a:latin typeface="Courier New" panose="02070309020205020404" pitchFamily="49" charset="0"/>
+              <a:cs typeface="Courier New" panose="02070309020205020404" pitchFamily="49" charset="0"/>
+            </a:endParaRPr>
+          </a:p>
+        </p:txBody>
+      </p:sp>
+      <p:sp>
+        <p:nvSpPr>
+          <p:cNvPr id="155" name="ZoneTexte 154"/>
+          <p:cNvSpPr txBox="1"/>
+          <p:nvPr/>
+        </p:nvSpPr>
+        <p:spPr>
+          <a:xfrm>
+            <a:off x="6934267" y="3825986"/>
+            <a:ext cx="415498" cy="400110"/>
+          </a:xfrm>
+          <a:prstGeom prst="rect">
+            <a:avLst/>
+          </a:prstGeom>
+          <a:noFill/>
+        </p:spPr>
+        <p:txBody>
+          <a:bodyPr wrap="none" rtlCol="0">
+            <a:spAutoFit/>
+          </a:bodyPr>
+          <a:lstStyle/>
+          <a:p>
+            <a:r>
+              <a:rPr lang="fr-FR" sz="1000" b="1" dirty="0" smtClean="0">
+                <a:ln w="3175">
+                  <a:noFill/>
+                </a:ln>
+                <a:solidFill>
+                  <a:schemeClr val="bg1"/>
+                </a:solidFill>
+                <a:latin typeface="Courier New" panose="02070309020205020404" pitchFamily="49" charset="0"/>
+                <a:cs typeface="Courier New" panose="02070309020205020404" pitchFamily="49" charset="0"/>
+              </a:rPr>
+              <a:t>PB4</a:t>
+            </a:r>
+          </a:p>
+          <a:p>
+            <a:r>
+              <a:rPr lang="fr-FR" sz="1000" b="1" dirty="0" smtClean="0">
+                <a:ln w="3175">
+                  <a:noFill/>
+                </a:ln>
+                <a:solidFill>
+                  <a:schemeClr val="bg1"/>
+                </a:solidFill>
+                <a:latin typeface="Courier New" panose="02070309020205020404" pitchFamily="49" charset="0"/>
+                <a:cs typeface="Courier New" panose="02070309020205020404" pitchFamily="49" charset="0"/>
+              </a:rPr>
+              <a:t>PB5</a:t>
+            </a:r>
+            <a:endParaRPr lang="fr-FR" sz="1000" b="1" dirty="0">
+              <a:ln w="3175">
+                <a:noFill/>
+              </a:ln>
+              <a:solidFill>
+                <a:schemeClr val="bg1"/>
+              </a:solidFill>
+              <a:latin typeface="Courier New" panose="02070309020205020404" pitchFamily="49" charset="0"/>
+              <a:cs typeface="Courier New" panose="02070309020205020404" pitchFamily="49" charset="0"/>
+            </a:endParaRPr>
+          </a:p>
+        </p:txBody>
+      </p:sp>
     </p:spTree>
     <p:extLst>
       <p:ext uri="{BB962C8B-B14F-4D97-AF65-F5344CB8AC3E}">

--- a/hardware/Interconnexions/DocCarteInterconnexions.pptx
+++ b/hardware/Interconnexions/DocCarteInterconnexions.pptx
@@ -244,7 +244,7 @@
           <a:p>
             <a:fld id="{9FEA0911-2648-4587-91E9-DF68751CD790}" type="datetimeFigureOut">
               <a:rPr lang="fr-FR" smtClean="0"/>
-              <a:t>10/03/2015</a:t>
+              <a:t>16/03/2015</a:t>
             </a:fld>
             <a:endParaRPr lang="fr-FR" dirty="0"/>
           </a:p>
@@ -414,7 +414,7 @@
           <a:p>
             <a:fld id="{9FEA0911-2648-4587-91E9-DF68751CD790}" type="datetimeFigureOut">
               <a:rPr lang="fr-FR" smtClean="0"/>
-              <a:t>10/03/2015</a:t>
+              <a:t>16/03/2015</a:t>
             </a:fld>
             <a:endParaRPr lang="fr-FR" dirty="0"/>
           </a:p>
@@ -594,7 +594,7 @@
           <a:p>
             <a:fld id="{9FEA0911-2648-4587-91E9-DF68751CD790}" type="datetimeFigureOut">
               <a:rPr lang="fr-FR" smtClean="0"/>
-              <a:t>10/03/2015</a:t>
+              <a:t>16/03/2015</a:t>
             </a:fld>
             <a:endParaRPr lang="fr-FR" dirty="0"/>
           </a:p>
@@ -764,7 +764,7 @@
           <a:p>
             <a:fld id="{9FEA0911-2648-4587-91E9-DF68751CD790}" type="datetimeFigureOut">
               <a:rPr lang="fr-FR" smtClean="0"/>
-              <a:t>10/03/2015</a:t>
+              <a:t>16/03/2015</a:t>
             </a:fld>
             <a:endParaRPr lang="fr-FR" dirty="0"/>
           </a:p>
@@ -1008,7 +1008,7 @@
           <a:p>
             <a:fld id="{9FEA0911-2648-4587-91E9-DF68751CD790}" type="datetimeFigureOut">
               <a:rPr lang="fr-FR" smtClean="0"/>
-              <a:t>10/03/2015</a:t>
+              <a:t>16/03/2015</a:t>
             </a:fld>
             <a:endParaRPr lang="fr-FR" dirty="0"/>
           </a:p>
@@ -1240,7 +1240,7 @@
           <a:p>
             <a:fld id="{9FEA0911-2648-4587-91E9-DF68751CD790}" type="datetimeFigureOut">
               <a:rPr lang="fr-FR" smtClean="0"/>
-              <a:t>10/03/2015</a:t>
+              <a:t>16/03/2015</a:t>
             </a:fld>
             <a:endParaRPr lang="fr-FR" dirty="0"/>
           </a:p>
@@ -1607,7 +1607,7 @@
           <a:p>
             <a:fld id="{9FEA0911-2648-4587-91E9-DF68751CD790}" type="datetimeFigureOut">
               <a:rPr lang="fr-FR" smtClean="0"/>
-              <a:t>10/03/2015</a:t>
+              <a:t>16/03/2015</a:t>
             </a:fld>
             <a:endParaRPr lang="fr-FR" dirty="0"/>
           </a:p>
@@ -1725,7 +1725,7 @@
           <a:p>
             <a:fld id="{9FEA0911-2648-4587-91E9-DF68751CD790}" type="datetimeFigureOut">
               <a:rPr lang="fr-FR" smtClean="0"/>
-              <a:t>10/03/2015</a:t>
+              <a:t>16/03/2015</a:t>
             </a:fld>
             <a:endParaRPr lang="fr-FR" dirty="0"/>
           </a:p>
@@ -1820,7 +1820,7 @@
           <a:p>
             <a:fld id="{9FEA0911-2648-4587-91E9-DF68751CD790}" type="datetimeFigureOut">
               <a:rPr lang="fr-FR" smtClean="0"/>
-              <a:t>10/03/2015</a:t>
+              <a:t>16/03/2015</a:t>
             </a:fld>
             <a:endParaRPr lang="fr-FR" dirty="0"/>
           </a:p>
@@ -2097,7 +2097,7 @@
           <a:p>
             <a:fld id="{9FEA0911-2648-4587-91E9-DF68751CD790}" type="datetimeFigureOut">
               <a:rPr lang="fr-FR" smtClean="0"/>
-              <a:t>10/03/2015</a:t>
+              <a:t>16/03/2015</a:t>
             </a:fld>
             <a:endParaRPr lang="fr-FR" dirty="0"/>
           </a:p>
@@ -2354,7 +2354,7 @@
           <a:p>
             <a:fld id="{9FEA0911-2648-4587-91E9-DF68751CD790}" type="datetimeFigureOut">
               <a:rPr lang="fr-FR" smtClean="0"/>
-              <a:t>10/03/2015</a:t>
+              <a:t>16/03/2015</a:t>
             </a:fld>
             <a:endParaRPr lang="fr-FR" dirty="0"/>
           </a:p>
@@ -2567,7 +2567,7 @@
           <a:p>
             <a:fld id="{9FEA0911-2648-4587-91E9-DF68751CD790}" type="datetimeFigureOut">
               <a:rPr lang="fr-FR" smtClean="0"/>
-              <a:t>10/03/2015</a:t>
+              <a:t>16/03/2015</a:t>
             </a:fld>
             <a:endParaRPr lang="fr-FR" dirty="0"/>
           </a:p>
@@ -8591,6 +8591,135 @@
           <a:chExt cx="0" cy="0"/>
         </a:xfrm>
       </p:grpSpPr>
+      <p:sp>
+        <p:nvSpPr>
+          <p:cNvPr id="156" name="ZoneTexte 155"/>
+          <p:cNvSpPr txBox="1"/>
+          <p:nvPr/>
+        </p:nvSpPr>
+        <p:spPr>
+          <a:xfrm>
+            <a:off x="7446274" y="901870"/>
+            <a:ext cx="868892" cy="276999"/>
+          </a:xfrm>
+          <a:prstGeom prst="rect">
+            <a:avLst/>
+          </a:prstGeom>
+        </p:spPr>
+        <p:style>
+          <a:lnRef idx="2">
+            <a:schemeClr val="accent4"/>
+          </a:lnRef>
+          <a:fillRef idx="1">
+            <a:schemeClr val="lt1"/>
+          </a:fillRef>
+          <a:effectRef idx="0">
+            <a:schemeClr val="accent4"/>
+          </a:effectRef>
+          <a:fontRef idx="minor">
+            <a:schemeClr val="dk1"/>
+          </a:fontRef>
+        </p:style>
+        <p:txBody>
+          <a:bodyPr wrap="none" rtlCol="0">
+            <a:spAutoFit/>
+          </a:bodyPr>
+          <a:lstStyle/>
+          <a:p>
+            <a:r>
+              <a:rPr lang="fr-FR" sz="1200" b="1" dirty="0" smtClean="0"/>
+              <a:t>Extensions</a:t>
+            </a:r>
+            <a:endParaRPr lang="fr-FR" sz="1200" b="1" dirty="0"/>
+          </a:p>
+        </p:txBody>
+      </p:sp>
+      <p:sp>
+        <p:nvSpPr>
+          <p:cNvPr id="11" name="ZoneTexte 10"/>
+          <p:cNvSpPr txBox="1"/>
+          <p:nvPr/>
+        </p:nvSpPr>
+        <p:spPr>
+          <a:xfrm>
+            <a:off x="6724531" y="904744"/>
+            <a:ext cx="631776" cy="276999"/>
+          </a:xfrm>
+          <a:prstGeom prst="rect">
+            <a:avLst/>
+          </a:prstGeom>
+        </p:spPr>
+        <p:style>
+          <a:lnRef idx="2">
+            <a:schemeClr val="accent6"/>
+          </a:lnRef>
+          <a:fillRef idx="1">
+            <a:schemeClr val="lt1"/>
+          </a:fillRef>
+          <a:effectRef idx="0">
+            <a:schemeClr val="accent6"/>
+          </a:effectRef>
+          <a:fontRef idx="minor">
+            <a:schemeClr val="dk1"/>
+          </a:fontRef>
+        </p:style>
+        <p:txBody>
+          <a:bodyPr wrap="none" rtlCol="0">
+            <a:spAutoFit/>
+          </a:bodyPr>
+          <a:lstStyle/>
+          <a:p>
+            <a:r>
+              <a:rPr lang="fr-FR" sz="1200" b="1" dirty="0" smtClean="0"/>
+              <a:t>Arrière</a:t>
+            </a:r>
+            <a:endParaRPr lang="fr-FR" sz="1200" b="1" dirty="0"/>
+          </a:p>
+        </p:txBody>
+      </p:sp>
+      <p:sp>
+        <p:nvSpPr>
+          <p:cNvPr id="8" name="ZoneTexte 7"/>
+          <p:cNvSpPr txBox="1"/>
+          <p:nvPr/>
+        </p:nvSpPr>
+        <p:spPr>
+          <a:xfrm>
+            <a:off x="8744045" y="907418"/>
+            <a:ext cx="553934" cy="276999"/>
+          </a:xfrm>
+          <a:prstGeom prst="rect">
+            <a:avLst/>
+          </a:prstGeom>
+        </p:spPr>
+        <p:style>
+          <a:lnRef idx="2">
+            <a:schemeClr val="accent1"/>
+          </a:lnRef>
+          <a:fillRef idx="1">
+            <a:schemeClr val="lt1"/>
+          </a:fillRef>
+          <a:effectRef idx="0">
+            <a:schemeClr val="accent1"/>
+          </a:effectRef>
+          <a:fontRef idx="minor">
+            <a:schemeClr val="dk1"/>
+          </a:fontRef>
+        </p:style>
+        <p:txBody>
+          <a:bodyPr wrap="none" rtlCol="0">
+            <a:spAutoFit/>
+          </a:bodyPr>
+          <a:lstStyle/>
+          <a:p>
+            <a:r>
+              <a:rPr lang="fr-FR" sz="1200" b="1" dirty="0" smtClean="0"/>
+              <a:t>Avant</a:t>
+            </a:r>
+            <a:endParaRPr lang="fr-FR" sz="1200" b="1" dirty="0"/>
+          </a:p>
+        </p:txBody>
+      </p:sp>
       <p:pic>
         <p:nvPicPr>
           <p:cNvPr id="2" name="Image 1"/>
@@ -8620,6 +8749,363 @@
           </a:prstGeom>
         </p:spPr>
       </p:pic>
+      <p:grpSp>
+        <p:nvGrpSpPr>
+          <p:cNvPr id="160" name="Groupe 159"/>
+          <p:cNvGrpSpPr/>
+          <p:nvPr/>
+        </p:nvGrpSpPr>
+        <p:grpSpPr>
+          <a:xfrm>
+            <a:off x="1348400" y="1440000"/>
+            <a:ext cx="445870" cy="144000"/>
+            <a:chOff x="534965" y="1440000"/>
+            <a:chExt cx="445870" cy="144000"/>
+          </a:xfrm>
+        </p:grpSpPr>
+        <p:sp>
+          <p:nvSpPr>
+            <p:cNvPr id="161" name="Rectangle 160"/>
+            <p:cNvSpPr/>
+            <p:nvPr/>
+          </p:nvSpPr>
+          <p:spPr>
+            <a:xfrm>
+              <a:off x="764835" y="1440000"/>
+              <a:ext cx="216000" cy="144000"/>
+            </a:xfrm>
+            <a:prstGeom prst="rect">
+              <a:avLst/>
+            </a:prstGeom>
+            <a:solidFill>
+              <a:schemeClr val="accent2">
+                <a:lumMod val="75000"/>
+              </a:schemeClr>
+            </a:solidFill>
+            <a:ln>
+              <a:solidFill>
+                <a:schemeClr val="accent2">
+                  <a:lumMod val="50000"/>
+                </a:schemeClr>
+              </a:solidFill>
+            </a:ln>
+          </p:spPr>
+          <p:style>
+            <a:lnRef idx="2">
+              <a:schemeClr val="accent1">
+                <a:shade val="50000"/>
+              </a:schemeClr>
+            </a:lnRef>
+            <a:fillRef idx="1">
+              <a:schemeClr val="accent1"/>
+            </a:fillRef>
+            <a:effectRef idx="0">
+              <a:schemeClr val="accent1"/>
+            </a:effectRef>
+            <a:fontRef idx="minor">
+              <a:schemeClr val="lt1"/>
+            </a:fontRef>
+          </p:style>
+          <p:txBody>
+            <a:bodyPr rtlCol="0" anchor="ctr"/>
+            <a:lstStyle/>
+            <a:p>
+              <a:pPr algn="ctr"/>
+              <a:endParaRPr lang="fr-FR"/>
+            </a:p>
+          </p:txBody>
+        </p:sp>
+        <p:sp>
+          <p:nvSpPr>
+            <p:cNvPr id="162" name="Rectangle 161"/>
+            <p:cNvSpPr/>
+            <p:nvPr/>
+          </p:nvSpPr>
+          <p:spPr>
+            <a:xfrm>
+              <a:off x="534965" y="1440000"/>
+              <a:ext cx="216000" cy="144000"/>
+            </a:xfrm>
+            <a:prstGeom prst="rect">
+              <a:avLst/>
+            </a:prstGeom>
+            <a:solidFill>
+              <a:schemeClr val="accent5">
+                <a:lumMod val="75000"/>
+              </a:schemeClr>
+            </a:solidFill>
+            <a:ln>
+              <a:solidFill>
+                <a:schemeClr val="accent5">
+                  <a:lumMod val="50000"/>
+                </a:schemeClr>
+              </a:solidFill>
+            </a:ln>
+          </p:spPr>
+          <p:style>
+            <a:lnRef idx="2">
+              <a:schemeClr val="accent1">
+                <a:shade val="50000"/>
+              </a:schemeClr>
+            </a:lnRef>
+            <a:fillRef idx="1">
+              <a:schemeClr val="accent1"/>
+            </a:fillRef>
+            <a:effectRef idx="0">
+              <a:schemeClr val="accent1"/>
+            </a:effectRef>
+            <a:fontRef idx="minor">
+              <a:schemeClr val="lt1"/>
+            </a:fontRef>
+          </p:style>
+          <p:txBody>
+            <a:bodyPr rtlCol="0" anchor="ctr"/>
+            <a:lstStyle/>
+            <a:p>
+              <a:pPr algn="ctr"/>
+              <a:endParaRPr lang="fr-FR"/>
+            </a:p>
+          </p:txBody>
+        </p:sp>
+      </p:grpSp>
+      <p:grpSp>
+        <p:nvGrpSpPr>
+          <p:cNvPr id="163" name="Groupe 162"/>
+          <p:cNvGrpSpPr/>
+          <p:nvPr/>
+        </p:nvGrpSpPr>
+        <p:grpSpPr>
+          <a:xfrm>
+            <a:off x="2155485" y="1440000"/>
+            <a:ext cx="445235" cy="144000"/>
+            <a:chOff x="509565" y="1440000"/>
+            <a:chExt cx="445235" cy="144000"/>
+          </a:xfrm>
+        </p:grpSpPr>
+        <p:sp>
+          <p:nvSpPr>
+            <p:cNvPr id="164" name="Rectangle 163"/>
+            <p:cNvSpPr/>
+            <p:nvPr/>
+          </p:nvSpPr>
+          <p:spPr>
+            <a:xfrm>
+              <a:off x="509565" y="1440000"/>
+              <a:ext cx="216000" cy="144000"/>
+            </a:xfrm>
+            <a:prstGeom prst="rect">
+              <a:avLst/>
+            </a:prstGeom>
+            <a:solidFill>
+              <a:schemeClr val="accent2">
+                <a:lumMod val="75000"/>
+              </a:schemeClr>
+            </a:solidFill>
+            <a:ln>
+              <a:solidFill>
+                <a:schemeClr val="accent2">
+                  <a:lumMod val="50000"/>
+                </a:schemeClr>
+              </a:solidFill>
+            </a:ln>
+          </p:spPr>
+          <p:style>
+            <a:lnRef idx="2">
+              <a:schemeClr val="accent1">
+                <a:shade val="50000"/>
+              </a:schemeClr>
+            </a:lnRef>
+            <a:fillRef idx="1">
+              <a:schemeClr val="accent1"/>
+            </a:fillRef>
+            <a:effectRef idx="0">
+              <a:schemeClr val="accent1"/>
+            </a:effectRef>
+            <a:fontRef idx="minor">
+              <a:schemeClr val="lt1"/>
+            </a:fontRef>
+          </p:style>
+          <p:txBody>
+            <a:bodyPr rtlCol="0" anchor="ctr"/>
+            <a:lstStyle/>
+            <a:p>
+              <a:pPr algn="ctr"/>
+              <a:endParaRPr lang="fr-FR"/>
+            </a:p>
+          </p:txBody>
+        </p:sp>
+        <p:sp>
+          <p:nvSpPr>
+            <p:cNvPr id="165" name="Rectangle 164"/>
+            <p:cNvSpPr/>
+            <p:nvPr/>
+          </p:nvSpPr>
+          <p:spPr>
+            <a:xfrm>
+              <a:off x="738800" y="1440000"/>
+              <a:ext cx="216000" cy="144000"/>
+            </a:xfrm>
+            <a:prstGeom prst="rect">
+              <a:avLst/>
+            </a:prstGeom>
+            <a:solidFill>
+              <a:schemeClr val="accent5">
+                <a:lumMod val="75000"/>
+              </a:schemeClr>
+            </a:solidFill>
+            <a:ln>
+              <a:solidFill>
+                <a:schemeClr val="accent5">
+                  <a:lumMod val="50000"/>
+                </a:schemeClr>
+              </a:solidFill>
+            </a:ln>
+          </p:spPr>
+          <p:style>
+            <a:lnRef idx="2">
+              <a:schemeClr val="accent1">
+                <a:shade val="50000"/>
+              </a:schemeClr>
+            </a:lnRef>
+            <a:fillRef idx="1">
+              <a:schemeClr val="accent1"/>
+            </a:fillRef>
+            <a:effectRef idx="0">
+              <a:schemeClr val="accent1"/>
+            </a:effectRef>
+            <a:fontRef idx="minor">
+              <a:schemeClr val="lt1"/>
+            </a:fontRef>
+          </p:style>
+          <p:txBody>
+            <a:bodyPr rtlCol="0" anchor="ctr"/>
+            <a:lstStyle/>
+            <a:p>
+              <a:pPr algn="ctr"/>
+              <a:endParaRPr lang="fr-FR"/>
+            </a:p>
+          </p:txBody>
+        </p:sp>
+      </p:grpSp>
+      <p:grpSp>
+        <p:nvGrpSpPr>
+          <p:cNvPr id="13" name="Groupe 12"/>
+          <p:cNvGrpSpPr/>
+          <p:nvPr/>
+        </p:nvGrpSpPr>
+        <p:grpSpPr>
+          <a:xfrm>
+            <a:off x="509565" y="1440000"/>
+            <a:ext cx="445235" cy="144000"/>
+            <a:chOff x="509565" y="1440000"/>
+            <a:chExt cx="445235" cy="144000"/>
+          </a:xfrm>
+        </p:grpSpPr>
+        <p:sp>
+          <p:nvSpPr>
+            <p:cNvPr id="12" name="Rectangle 11"/>
+            <p:cNvSpPr/>
+            <p:nvPr/>
+          </p:nvSpPr>
+          <p:spPr>
+            <a:xfrm>
+              <a:off x="509565" y="1440000"/>
+              <a:ext cx="216000" cy="144000"/>
+            </a:xfrm>
+            <a:prstGeom prst="rect">
+              <a:avLst/>
+            </a:prstGeom>
+            <a:solidFill>
+              <a:schemeClr val="accent2">
+                <a:lumMod val="75000"/>
+              </a:schemeClr>
+            </a:solidFill>
+            <a:ln>
+              <a:solidFill>
+                <a:schemeClr val="accent2">
+                  <a:lumMod val="50000"/>
+                </a:schemeClr>
+              </a:solidFill>
+            </a:ln>
+          </p:spPr>
+          <p:style>
+            <a:lnRef idx="2">
+              <a:schemeClr val="accent1">
+                <a:shade val="50000"/>
+              </a:schemeClr>
+            </a:lnRef>
+            <a:fillRef idx="1">
+              <a:schemeClr val="accent1"/>
+            </a:fillRef>
+            <a:effectRef idx="0">
+              <a:schemeClr val="accent1"/>
+            </a:effectRef>
+            <a:fontRef idx="minor">
+              <a:schemeClr val="lt1"/>
+            </a:fontRef>
+          </p:style>
+          <p:txBody>
+            <a:bodyPr rtlCol="0" anchor="ctr"/>
+            <a:lstStyle/>
+            <a:p>
+              <a:pPr algn="ctr"/>
+              <a:endParaRPr lang="fr-FR"/>
+            </a:p>
+          </p:txBody>
+        </p:sp>
+        <p:sp>
+          <p:nvSpPr>
+            <p:cNvPr id="159" name="Rectangle 158"/>
+            <p:cNvSpPr/>
+            <p:nvPr/>
+          </p:nvSpPr>
+          <p:spPr>
+            <a:xfrm>
+              <a:off x="738800" y="1440000"/>
+              <a:ext cx="216000" cy="144000"/>
+            </a:xfrm>
+            <a:prstGeom prst="rect">
+              <a:avLst/>
+            </a:prstGeom>
+            <a:solidFill>
+              <a:schemeClr val="accent5">
+                <a:lumMod val="75000"/>
+              </a:schemeClr>
+            </a:solidFill>
+            <a:ln>
+              <a:solidFill>
+                <a:schemeClr val="accent5">
+                  <a:lumMod val="50000"/>
+                </a:schemeClr>
+              </a:solidFill>
+            </a:ln>
+          </p:spPr>
+          <p:style>
+            <a:lnRef idx="2">
+              <a:schemeClr val="accent1">
+                <a:shade val="50000"/>
+              </a:schemeClr>
+            </a:lnRef>
+            <a:fillRef idx="1">
+              <a:schemeClr val="accent1"/>
+            </a:fillRef>
+            <a:effectRef idx="0">
+              <a:schemeClr val="accent1"/>
+            </a:effectRef>
+            <a:fontRef idx="minor">
+              <a:schemeClr val="lt1"/>
+            </a:fontRef>
+          </p:style>
+          <p:txBody>
+            <a:bodyPr rtlCol="0" anchor="ctr"/>
+            <a:lstStyle/>
+            <a:p>
+              <a:pPr algn="ctr"/>
+              <a:endParaRPr lang="fr-FR"/>
+            </a:p>
+          </p:txBody>
+        </p:sp>
+      </p:grpSp>
       <p:cxnSp>
         <p:nvCxnSpPr>
           <p:cNvPr id="7" name="Connecteur en angle 6"/>
@@ -13547,6 +14033,92 @@
               <a:latin typeface="Courier New" panose="02070309020205020404" pitchFamily="49" charset="0"/>
               <a:cs typeface="Courier New" panose="02070309020205020404" pitchFamily="49" charset="0"/>
             </a:endParaRPr>
+          </a:p>
+        </p:txBody>
+      </p:sp>
+      <p:sp>
+        <p:nvSpPr>
+          <p:cNvPr id="157" name="ZoneTexte 156"/>
+          <p:cNvSpPr txBox="1"/>
+          <p:nvPr/>
+        </p:nvSpPr>
+        <p:spPr>
+          <a:xfrm>
+            <a:off x="7889030" y="4510201"/>
+            <a:ext cx="838691" cy="276999"/>
+          </a:xfrm>
+          <a:prstGeom prst="rect">
+            <a:avLst/>
+          </a:prstGeom>
+        </p:spPr>
+        <p:style>
+          <a:lnRef idx="2">
+            <a:schemeClr val="accent3"/>
+          </a:lnRef>
+          <a:fillRef idx="1">
+            <a:schemeClr val="lt1"/>
+          </a:fillRef>
+          <a:effectRef idx="0">
+            <a:schemeClr val="accent3"/>
+          </a:effectRef>
+          <a:fontRef idx="minor">
+            <a:schemeClr val="dk1"/>
+          </a:fontRef>
+        </p:style>
+        <p:txBody>
+          <a:bodyPr wrap="none" rtlCol="0">
+            <a:spAutoFit/>
+          </a:bodyPr>
+          <a:lstStyle/>
+          <a:p>
+            <a:r>
+              <a:rPr lang="fr-FR" sz="1200" b="1" dirty="0" smtClean="0"/>
+              <a:t>Ascenseur</a:t>
+            </a:r>
+            <a:endParaRPr lang="fr-FR" sz="1200" b="1" dirty="0"/>
+          </a:p>
+        </p:txBody>
+      </p:sp>
+      <p:sp>
+        <p:nvSpPr>
+          <p:cNvPr id="158" name="ZoneTexte 157"/>
+          <p:cNvSpPr txBox="1"/>
+          <p:nvPr/>
+        </p:nvSpPr>
+        <p:spPr>
+          <a:xfrm>
+            <a:off x="5280980" y="4550461"/>
+            <a:ext cx="659155" cy="276999"/>
+          </a:xfrm>
+          <a:prstGeom prst="rect">
+            <a:avLst/>
+          </a:prstGeom>
+        </p:spPr>
+        <p:style>
+          <a:lnRef idx="2">
+            <a:schemeClr val="accent5"/>
+          </a:lnRef>
+          <a:fillRef idx="1">
+            <a:schemeClr val="lt1"/>
+          </a:fillRef>
+          <a:effectRef idx="0">
+            <a:schemeClr val="accent5"/>
+          </a:effectRef>
+          <a:fontRef idx="minor">
+            <a:schemeClr val="dk1"/>
+          </a:fontRef>
+        </p:style>
+        <p:txBody>
+          <a:bodyPr wrap="none" rtlCol="0">
+            <a:spAutoFit/>
+          </a:bodyPr>
+          <a:lstStyle/>
+          <a:p>
+            <a:r>
+              <a:rPr lang="fr-FR" sz="1200" b="1" dirty="0" err="1" smtClean="0"/>
+              <a:t>Jumper</a:t>
+            </a:r>
+            <a:endParaRPr lang="fr-FR" sz="1200" b="1" dirty="0"/>
           </a:p>
         </p:txBody>
       </p:sp>
